--- a/Presentation/A Tour To Interactive Map.pptx
+++ b/Presentation/A Tour To Interactive Map.pptx
@@ -5,13 +5,12 @@
     <p:sldMasterId id="2147483706" r:id="rId1"/>
   </p:sldMasterIdLst>
   <p:notesMasterIdLst>
-    <p:notesMasterId r:id="rId6"/>
+    <p:notesMasterId r:id="rId5"/>
   </p:notesMasterIdLst>
   <p:sldIdLst>
     <p:sldId id="256" r:id="rId2"/>
     <p:sldId id="257" r:id="rId3"/>
-    <p:sldId id="259" r:id="rId4"/>
-    <p:sldId id="260" r:id="rId5"/>
+    <p:sldId id="260" r:id="rId4"/>
   </p:sldIdLst>
   <p:sldSz cx="12192000" cy="6858000"/>
   <p:notesSz cx="6858000" cy="9144000"/>
@@ -618,90 +617,6 @@
             <a:fld id="{E9041736-258A-4B27-B650-20FFC783399F}" type="slidenum">
               <a:rPr lang="en-NZ" smtClean="0"/>
               <a:t>3</a:t>
-            </a:fld>
-            <a:endParaRPr lang="en-NZ"/>
-          </a:p>
-        </p:txBody>
-      </p:sp>
-    </p:spTree>
-    <p:extLst>
-      <p:ext uri="{BB962C8B-B14F-4D97-AF65-F5344CB8AC3E}">
-        <p14:creationId xmlns:p14="http://schemas.microsoft.com/office/powerpoint/2010/main" val="694304630"/>
-      </p:ext>
-    </p:extLst>
-  </p:cSld>
-  <p:clrMapOvr>
-    <a:masterClrMapping/>
-  </p:clrMapOvr>
-</p:notes>
-</file>
-
-<file path=ppt/notesSlides/notesSlide3.xml><?xml version="1.0" encoding="utf-8"?>
-<p:notes xmlns:a="http://schemas.openxmlformats.org/drawingml/2006/main" xmlns:r="http://schemas.openxmlformats.org/officeDocument/2006/relationships" xmlns:p="http://schemas.openxmlformats.org/presentationml/2006/main">
-  <p:cSld>
-    <p:spTree>
-      <p:nvGrpSpPr>
-        <p:cNvPr id="1" name=""/>
-        <p:cNvGrpSpPr/>
-        <p:nvPr/>
-      </p:nvGrpSpPr>
-      <p:grpSpPr>
-        <a:xfrm>
-          <a:off x="0" y="0"/>
-          <a:ext cx="0" cy="0"/>
-          <a:chOff x="0" y="0"/>
-          <a:chExt cx="0" cy="0"/>
-        </a:xfrm>
-      </p:grpSpPr>
-      <p:sp>
-        <p:nvSpPr>
-          <p:cNvPr id="2" name="Slide Image Placeholder 1"/>
-          <p:cNvSpPr>
-            <a:spLocks noGrp="1" noRot="1" noChangeAspect="1"/>
-          </p:cNvSpPr>
-          <p:nvPr>
-            <p:ph type="sldImg"/>
-          </p:nvPr>
-        </p:nvSpPr>
-        <p:spPr/>
-      </p:sp>
-      <p:sp>
-        <p:nvSpPr>
-          <p:cNvPr id="3" name="Notes Placeholder 2"/>
-          <p:cNvSpPr>
-            <a:spLocks noGrp="1"/>
-          </p:cNvSpPr>
-          <p:nvPr>
-            <p:ph type="body" idx="1"/>
-          </p:nvPr>
-        </p:nvSpPr>
-        <p:spPr/>
-        <p:txBody>
-          <a:bodyPr/>
-          <a:lstStyle/>
-          <a:p>
-            <a:endParaRPr lang="en-NZ"/>
-          </a:p>
-        </p:txBody>
-      </p:sp>
-      <p:sp>
-        <p:nvSpPr>
-          <p:cNvPr id="4" name="Slide Number Placeholder 3"/>
-          <p:cNvSpPr>
-            <a:spLocks noGrp="1"/>
-          </p:cNvSpPr>
-          <p:nvPr>
-            <p:ph type="sldNum" sz="quarter" idx="10"/>
-          </p:nvPr>
-        </p:nvSpPr>
-        <p:spPr/>
-        <p:txBody>
-          <a:bodyPr/>
-          <a:lstStyle/>
-          <a:p>
-            <a:fld id="{E9041736-258A-4B27-B650-20FFC783399F}" type="slidenum">
-              <a:rPr lang="en-NZ" smtClean="0"/>
-              <a:t>4</a:t>
             </a:fld>
             <a:endParaRPr lang="en-NZ"/>
           </a:p>
@@ -7022,430 +6937,6 @@
 </file>
 
 <file path=ppt/slides/slide3.xml><?xml version="1.0" encoding="utf-8"?>
-<p:sld xmlns:a="http://schemas.openxmlformats.org/drawingml/2006/main" xmlns:r="http://schemas.openxmlformats.org/officeDocument/2006/relationships" xmlns:p="http://schemas.openxmlformats.org/presentationml/2006/main">
-  <p:cSld>
-    <p:spTree>
-      <p:nvGrpSpPr>
-        <p:cNvPr id="1" name=""/>
-        <p:cNvGrpSpPr/>
-        <p:nvPr/>
-      </p:nvGrpSpPr>
-      <p:grpSpPr>
-        <a:xfrm>
-          <a:off x="0" y="0"/>
-          <a:ext cx="0" cy="0"/>
-          <a:chOff x="0" y="0"/>
-          <a:chExt cx="0" cy="0"/>
-        </a:xfrm>
-      </p:grpSpPr>
-      <p:sp>
-        <p:nvSpPr>
-          <p:cNvPr id="15" name="Title 14"/>
-          <p:cNvSpPr>
-            <a:spLocks noGrp="1"/>
-          </p:cNvSpPr>
-          <p:nvPr>
-            <p:ph type="title"/>
-          </p:nvPr>
-        </p:nvSpPr>
-        <p:spPr>
-          <a:xfrm>
-            <a:off x="1708727" y="773546"/>
-            <a:ext cx="6241816" cy="510309"/>
-          </a:xfrm>
-        </p:spPr>
-        <p:txBody>
-          <a:bodyPr>
-            <a:normAutofit fontScale="90000"/>
-          </a:bodyPr>
-          <a:lstStyle/>
-          <a:p>
-            <a:r>
-              <a:rPr lang="en-US" dirty="0"/>
-              <a:t>What we have done</a:t>
-            </a:r>
-            <a:endParaRPr lang="en-NZ" dirty="0"/>
-          </a:p>
-        </p:txBody>
-      </p:sp>
-      <p:pic>
-        <p:nvPicPr>
-          <p:cNvPr id="20" name="Picture Placeholder 19"/>
-          <p:cNvPicPr>
-            <a:picLocks noGrp="1" noChangeAspect="1"/>
-          </p:cNvPicPr>
-          <p:nvPr>
-            <p:ph type="pic" idx="1"/>
-          </p:nvPr>
-        </p:nvPicPr>
-        <p:blipFill>
-          <a:blip r:embed="rId3">
-            <a:extLst>
-              <a:ext uri="{28A0092B-C50C-407E-A947-70E740481C1C}">
-                <a14:useLocalDpi xmlns:a14="http://schemas.microsoft.com/office/drawing/2010/main" val="0"/>
-              </a:ext>
-            </a:extLst>
-          </a:blip>
-          <a:stretch>
-            <a:fillRect/>
-          </a:stretch>
-        </p:blipFill>
-        <p:spPr>
-          <a:xfrm>
-            <a:off x="1857634" y="1416050"/>
-            <a:ext cx="6305032" cy="4219575"/>
-          </a:xfrm>
-          <a:prstGeom prst="rect">
-            <a:avLst/>
-          </a:prstGeom>
-          <a:solidFill>
-            <a:srgbClr val="FFFFFF">
-              <a:shade val="85000"/>
-            </a:srgbClr>
-          </a:solidFill>
-          <a:ln w="88900" cap="sq">
-            <a:solidFill>
-              <a:srgbClr val="FFFFFF"/>
-            </a:solidFill>
-            <a:miter lim="800000"/>
-          </a:ln>
-          <a:effectLst>
-            <a:outerShdw blurRad="55000" dist="18000" dir="5400000" algn="tl" rotWithShape="0">
-              <a:srgbClr val="000000">
-                <a:alpha val="40000"/>
-              </a:srgbClr>
-            </a:outerShdw>
-          </a:effectLst>
-          <a:scene3d>
-            <a:camera prst="orthographicFront"/>
-            <a:lightRig rig="twoPt" dir="t">
-              <a:rot lat="0" lon="0" rev="7200000"/>
-            </a:lightRig>
-          </a:scene3d>
-          <a:sp3d>
-            <a:bevelT w="25400" h="19050"/>
-            <a:contourClr>
-              <a:srgbClr val="FFFFFF"/>
-            </a:contourClr>
-          </a:sp3d>
-        </p:spPr>
-      </p:pic>
-      <p:sp>
-        <p:nvSpPr>
-          <p:cNvPr id="17" name="Text Placeholder 16"/>
-          <p:cNvSpPr>
-            <a:spLocks noGrp="1"/>
-          </p:cNvSpPr>
-          <p:nvPr>
-            <p:ph type="body" sz="half" idx="2"/>
-          </p:nvPr>
-        </p:nvSpPr>
-        <p:spPr>
-          <a:xfrm>
-            <a:off x="8601301" y="1283855"/>
-            <a:ext cx="2676579" cy="4544290"/>
-          </a:xfrm>
-        </p:spPr>
-        <p:txBody>
-          <a:bodyPr>
-            <a:noAutofit/>
-          </a:bodyPr>
-          <a:lstStyle/>
-          <a:p>
-            <a:pPr algn="l"/>
-            <a:r>
-              <a:rPr lang="en-US" sz="1400" dirty="0" smtClean="0"/>
-              <a:t>About this map, I think…</a:t>
-            </a:r>
-          </a:p>
-          <a:p>
-            <a:pPr algn="l"/>
-            <a:r>
-              <a:rPr lang="en-US" sz="1400" b="1" dirty="0" smtClean="0">
-                <a:solidFill>
-                  <a:srgbClr val="980202"/>
-                </a:solidFill>
-              </a:rPr>
-              <a:t>Good </a:t>
-            </a:r>
-            <a:r>
-              <a:rPr lang="en-US" sz="1400" b="1" dirty="0" smtClean="0">
-                <a:solidFill>
-                  <a:srgbClr val="980202"/>
-                </a:solidFill>
-                <a:sym typeface="Wingdings" panose="05000000000000000000" pitchFamily="2" charset="2"/>
-              </a:rPr>
-              <a:t></a:t>
-            </a:r>
-            <a:endParaRPr lang="en-US" sz="1400" b="1" dirty="0" smtClean="0">
-              <a:solidFill>
-                <a:srgbClr val="980202"/>
-              </a:solidFill>
-            </a:endParaRPr>
-          </a:p>
-          <a:p>
-            <a:pPr marL="285750" indent="-285750" algn="l">
-              <a:buFont typeface="Arial" panose="020B0604020202020204" pitchFamily="34" charset="0"/>
-              <a:buChar char="•"/>
-            </a:pPr>
-            <a:r>
-              <a:rPr lang="en-US" sz="1400" dirty="0" smtClean="0"/>
-              <a:t>Many functions </a:t>
-            </a:r>
-          </a:p>
-          <a:p>
-            <a:pPr marL="285750" indent="-285750" algn="l">
-              <a:buFont typeface="Arial" panose="020B0604020202020204" pitchFamily="34" charset="0"/>
-              <a:buChar char="•"/>
-            </a:pPr>
-            <a:r>
-              <a:rPr lang="en-US" sz="1400" dirty="0" smtClean="0"/>
-              <a:t>Explanations and notes are available</a:t>
-            </a:r>
-          </a:p>
-          <a:p>
-            <a:pPr marL="285750" indent="-285750" algn="l">
-              <a:buFont typeface="Arial" panose="020B0604020202020204" pitchFamily="34" charset="0"/>
-              <a:buChar char="•"/>
-            </a:pPr>
-            <a:r>
-              <a:rPr lang="en-US" sz="1400" dirty="0" smtClean="0"/>
-              <a:t>Fancy looking</a:t>
-            </a:r>
-          </a:p>
-          <a:p>
-            <a:pPr algn="l"/>
-            <a:r>
-              <a:rPr lang="en-US" sz="1400" b="1" dirty="0" smtClean="0">
-                <a:solidFill>
-                  <a:srgbClr val="007A37"/>
-                </a:solidFill>
-              </a:rPr>
-              <a:t>Bad </a:t>
-            </a:r>
-            <a:r>
-              <a:rPr lang="en-US" sz="1400" b="1" dirty="0" smtClean="0">
-                <a:solidFill>
-                  <a:srgbClr val="007A37"/>
-                </a:solidFill>
-                <a:sym typeface="Wingdings" panose="05000000000000000000" pitchFamily="2" charset="2"/>
-              </a:rPr>
-              <a:t></a:t>
-            </a:r>
-            <a:endParaRPr lang="en-US" sz="1400" b="1" dirty="0" smtClean="0">
-              <a:solidFill>
-                <a:srgbClr val="007A37"/>
-              </a:solidFill>
-            </a:endParaRPr>
-          </a:p>
-          <a:p>
-            <a:pPr marL="285750" indent="-285750" algn="l">
-              <a:buFont typeface="Arial" panose="020B0604020202020204" pitchFamily="34" charset="0"/>
-              <a:buChar char="•"/>
-            </a:pPr>
-            <a:r>
-              <a:rPr lang="en-US" sz="1400" dirty="0" smtClean="0"/>
-              <a:t>Too much on one page</a:t>
-            </a:r>
-          </a:p>
-          <a:p>
-            <a:pPr marL="285750" indent="-285750" algn="l">
-              <a:buFont typeface="Arial" panose="020B0604020202020204" pitchFamily="34" charset="0"/>
-              <a:buChar char="•"/>
-            </a:pPr>
-            <a:r>
-              <a:rPr lang="en-US" sz="1400" dirty="0" smtClean="0"/>
-              <a:t>Top panel blocks part of the map</a:t>
-            </a:r>
-          </a:p>
-          <a:p>
-            <a:pPr algn="l"/>
-            <a:r>
-              <a:rPr lang="en-US" sz="1400" dirty="0" smtClean="0"/>
-              <a:t>What do you think?</a:t>
-            </a:r>
-          </a:p>
-          <a:p>
-            <a:pPr algn="l"/>
-            <a:r>
-              <a:rPr lang="en-US" sz="1400" dirty="0" smtClean="0"/>
-              <a:t>How to make a good statistical interactive map?</a:t>
-            </a:r>
-          </a:p>
-          <a:p>
-            <a:pPr algn="l"/>
-            <a:r>
-              <a:rPr lang="en-US" sz="1400" dirty="0" smtClean="0"/>
-              <a:t>After browsing website and practices…</a:t>
-            </a:r>
-          </a:p>
-        </p:txBody>
-      </p:sp>
-      <p:sp>
-        <p:nvSpPr>
-          <p:cNvPr id="9" name="TextBox 8"/>
-          <p:cNvSpPr txBox="1"/>
-          <p:nvPr/>
-        </p:nvSpPr>
-        <p:spPr>
-          <a:xfrm>
-            <a:off x="692727" y="982132"/>
-            <a:ext cx="1016000" cy="2000548"/>
-          </a:xfrm>
-          <a:prstGeom prst="rect">
-            <a:avLst/>
-          </a:prstGeom>
-          <a:noFill/>
-        </p:spPr>
-        <p:txBody>
-          <a:bodyPr wrap="square" rtlCol="0">
-            <a:spAutoFit/>
-          </a:bodyPr>
-          <a:lstStyle/>
-          <a:p>
-            <a:r>
-              <a:rPr lang="en-US" sz="1400" b="1" dirty="0">
-                <a:solidFill>
-                  <a:srgbClr val="0070C0"/>
-                </a:solidFill>
-              </a:rPr>
-              <a:t>Outline</a:t>
-            </a:r>
-          </a:p>
-          <a:p>
-            <a:endParaRPr lang="en-NZ" sz="1400" b="1" u="sng" dirty="0">
-              <a:solidFill>
-                <a:srgbClr val="0070C0"/>
-              </a:solidFill>
-            </a:endParaRPr>
-          </a:p>
-          <a:p>
-            <a:pPr>
-              <a:lnSpc>
-                <a:spcPct val="200000"/>
-              </a:lnSpc>
-            </a:pPr>
-            <a:r>
-              <a:rPr lang="en-NZ" sz="1200" b="1" u="sng" dirty="0">
-                <a:solidFill>
-                  <a:srgbClr val="0070C0"/>
-                </a:solidFill>
-              </a:rPr>
-              <a:t>What we got</a:t>
-            </a:r>
-          </a:p>
-          <a:p>
-            <a:pPr>
-              <a:lnSpc>
-                <a:spcPct val="200000"/>
-              </a:lnSpc>
-            </a:pPr>
-            <a:endParaRPr lang="en-NZ" sz="1200" b="1" u="sng" dirty="0">
-              <a:solidFill>
-                <a:srgbClr val="0070C0"/>
-              </a:solidFill>
-            </a:endParaRPr>
-          </a:p>
-          <a:p>
-            <a:pPr>
-              <a:lnSpc>
-                <a:spcPct val="200000"/>
-              </a:lnSpc>
-            </a:pPr>
-            <a:r>
-              <a:rPr lang="en-NZ" sz="1200" b="1" u="sng" dirty="0">
-                <a:solidFill>
-                  <a:srgbClr val="0070C0"/>
-                </a:solidFill>
-              </a:rPr>
-              <a:t>What we</a:t>
-            </a:r>
-          </a:p>
-          <a:p>
-            <a:pPr>
-              <a:lnSpc>
-                <a:spcPct val="200000"/>
-              </a:lnSpc>
-            </a:pPr>
-            <a:r>
-              <a:rPr lang="en-NZ" sz="1200" b="1" u="sng" dirty="0">
-                <a:solidFill>
-                  <a:srgbClr val="0070C0"/>
-                </a:solidFill>
-              </a:rPr>
-              <a:t>have done</a:t>
-            </a:r>
-          </a:p>
-        </p:txBody>
-      </p:sp>
-      <p:sp>
-        <p:nvSpPr>
-          <p:cNvPr id="19" name="Footer Placeholder 18"/>
-          <p:cNvSpPr>
-            <a:spLocks noGrp="1"/>
-          </p:cNvSpPr>
-          <p:nvPr>
-            <p:ph type="ftr" sz="quarter" idx="11"/>
-          </p:nvPr>
-        </p:nvSpPr>
-        <p:spPr>
-          <a:xfrm>
-            <a:off x="1708727" y="5969000"/>
-            <a:ext cx="6892574" cy="279400"/>
-          </a:xfrm>
-        </p:spPr>
-        <p:txBody>
-          <a:bodyPr/>
-          <a:lstStyle/>
-          <a:p>
-            <a:r>
-              <a:rPr lang="en-NZ" dirty="0" smtClean="0"/>
-              <a:t>Map is from </a:t>
-            </a:r>
-            <a:r>
-              <a:rPr lang="en-NZ" dirty="0" smtClean="0">
-                <a:hlinkClick r:id="rId4"/>
-              </a:rPr>
-              <a:t>http://</a:t>
-            </a:r>
-            <a:r>
-              <a:rPr lang="en-NZ" dirty="0" smtClean="0">
-                <a:solidFill>
-                  <a:srgbClr val="002060"/>
-                </a:solidFill>
-                <a:hlinkClick r:id="rId4"/>
-              </a:rPr>
-              <a:t>www.statsilk.com/maps/interactive-map-ebola-death-rate-west-africa-and-dr-congo-time-animation</a:t>
-            </a:r>
-            <a:endParaRPr lang="en-US" dirty="0">
-              <a:solidFill>
-                <a:srgbClr val="002060"/>
-              </a:solidFill>
-            </a:endParaRPr>
-          </a:p>
-        </p:txBody>
-      </p:sp>
-    </p:spTree>
-    <p:extLst>
-      <p:ext uri="{BB962C8B-B14F-4D97-AF65-F5344CB8AC3E}">
-        <p14:creationId xmlns:p14="http://schemas.microsoft.com/office/powerpoint/2010/main" val="1264625343"/>
-      </p:ext>
-    </p:extLst>
-  </p:cSld>
-  <p:clrMapOvr>
-    <a:masterClrMapping/>
-  </p:clrMapOvr>
-  <p:timing>
-    <p:tnLst>
-      <p:par>
-        <p:cTn id="1" dur="indefinite" restart="never" nodeType="tmRoot"/>
-      </p:par>
-    </p:tnLst>
-  </p:timing>
-</p:sld>
-</file>
-
-<file path=ppt/slides/slide4.xml><?xml version="1.0" encoding="utf-8"?>
 <p:sld xmlns:a="http://schemas.openxmlformats.org/drawingml/2006/main" xmlns:r="http://schemas.openxmlformats.org/officeDocument/2006/relationships" xmlns:p="http://schemas.openxmlformats.org/presentationml/2006/main">
   <p:cSld>
     <p:spTree>
